--- a/PPTs/Lab3 Highway Env.pptx
+++ b/PPTs/Lab3 Highway Env.pptx
@@ -7561,8 +7561,8 @@
           </a:p>
         </p:txBody>
       </p:sp>
-      <mc:AlternateContent xmlns:mc="http://schemas.openxmlformats.org/markup-compatibility/2006" xmlns:a14="http://schemas.microsoft.com/office/drawing/2010/main">
-        <mc:Choice Requires="a14">
+      <mc:AlternateContent xmlns:mc="http://schemas.openxmlformats.org/markup-compatibility/2006">
+        <mc:Choice xmlns:a14="http://schemas.microsoft.com/office/drawing/2010/main" Requires="a14">
           <p:sp>
             <p:nvSpPr>
               <p:cNvPr id="3" name="Content Placeholder 2">
@@ -7668,7 +7668,7 @@
                 </a:r>
                 <a:r>
                   <a:rPr lang="en-US" dirty="0"/>
-                  <a:t>=2, if lane=0 (left lane), then </a:t>
+                  <a:t>=2, if Lane=0 (left lane), then </a:t>
                 </a:r>
                 <a14:m>
                   <m:oMath xmlns:m="http://schemas.openxmlformats.org/officeDocument/2006/math">
@@ -7713,7 +7713,7 @@
                 </a14:m>
                 <a:r>
                   <a:rPr lang="en-US" dirty="0"/>
-                  <a:t>; if lane=1 (right lane), then </a:t>
+                  <a:t>; if Lane=1 (right lane), then </a:t>
                 </a:r>
                 <a14:m>
                   <m:oMath xmlns:m="http://schemas.openxmlformats.org/officeDocument/2006/math">
@@ -8470,7 +8470,7 @@
             </p:txBody>
           </p:sp>
         </mc:Choice>
-        <mc:Fallback xmlns="">
+        <mc:Fallback>
           <p:sp>
             <p:nvSpPr>
               <p:cNvPr id="3" name="Content Placeholder 2">
@@ -9627,7 +9627,7 @@
         <p:spPr>
           <a:xfrm>
             <a:off x="914400" y="3310736"/>
-            <a:ext cx="1369981" cy="369332"/>
+            <a:ext cx="1369981" cy="646331"/>
           </a:xfrm>
           <a:prstGeom prst="rect">
             <a:avLst/>
@@ -9641,13 +9641,27 @@
           <a:lstStyle/>
           <a:p>
             <a:r>
-              <a:rPr lang="en-US" sz="1800" b="0" dirty="0" err="1">
+              <a:rPr lang="en-US" b="0" dirty="0" err="1">
                 <a:effectLst/>
                 <a:latin typeface="Courier New" panose="02070309020205020404" pitchFamily="49" charset="0"/>
               </a:rPr>
               <a:t>env.json</a:t>
             </a:r>
-            <a:endParaRPr lang="en-SE" dirty="0"/>
+            <a:endParaRPr lang="en-US" b="0" dirty="0">
+              <a:effectLst/>
+              <a:latin typeface="Courier New" panose="02070309020205020404" pitchFamily="49" charset="0"/>
+            </a:endParaRPr>
+          </a:p>
+          <a:p>
+            <a:r>
+              <a:rPr lang="en-US" dirty="0">
+                <a:latin typeface="+mn-lt"/>
+              </a:rPr>
+              <a:t>(empty)</a:t>
+            </a:r>
+            <a:endParaRPr lang="en-SE" dirty="0">
+              <a:latin typeface="+mn-lt"/>
+            </a:endParaRPr>
           </a:p>
         </p:txBody>
       </p:sp>
@@ -10956,7 +10970,15 @@
           <a:p>
             <a:r>
               <a:rPr lang="en-US" dirty="0"/>
-              <a:t>Making an environment</a:t>
+              <a:t>Making an env with </a:t>
+            </a:r>
+            <a:r>
+              <a:rPr lang="en-US" dirty="0" err="1"/>
+              <a:t>gym.make</a:t>
+            </a:r>
+            <a:r>
+              <a:rPr lang="en-US" dirty="0"/>
+              <a:t>()</a:t>
             </a:r>
             <a:endParaRPr lang="en-SE" dirty="0"/>
           </a:p>
@@ -11157,6 +11179,40 @@
             <a:r>
               <a:rPr lang="en-US" dirty="0"/>
               <a:t>()</a:t>
+            </a:r>
+          </a:p>
+          <a:p>
+            <a:r>
+              <a:rPr lang="en-US" dirty="0"/>
+              <a:t>(Lab3 uses a different method </a:t>
+            </a:r>
+            <a:r>
+              <a:rPr lang="fr-FR" dirty="0" err="1"/>
+              <a:t>env</a:t>
+            </a:r>
+            <a:r>
+              <a:rPr lang="fr-FR" dirty="0"/>
+              <a:t> = </a:t>
+            </a:r>
+            <a:r>
+              <a:rPr lang="fr-FR" dirty="0" err="1"/>
+              <a:t>load_environment</a:t>
+            </a:r>
+            <a:r>
+              <a:rPr lang="fr-FR" dirty="0"/>
+              <a:t>(</a:t>
+            </a:r>
+            <a:r>
+              <a:rPr lang="fr-FR" dirty="0" err="1"/>
+              <a:t>env_config</a:t>
+            </a:r>
+            <a:r>
+              <a:rPr lang="fr-FR" dirty="0"/>
+              <a:t>)</a:t>
+            </a:r>
+            <a:r>
+              <a:rPr lang="en-US" dirty="0"/>
+              <a:t>)</a:t>
             </a:r>
             <a:endParaRPr lang="en-SE" dirty="0"/>
           </a:p>
@@ -11226,8 +11282,8 @@
         </p:blipFill>
         <p:spPr bwMode="auto">
           <a:xfrm>
-            <a:off x="806389" y="4488176"/>
-            <a:ext cx="7531221" cy="2369824"/>
+            <a:off x="1165195" y="4733479"/>
+            <a:ext cx="6813610" cy="2144016"/>
           </a:xfrm>
           <a:prstGeom prst="rect">
             <a:avLst/>
@@ -13987,7 +14043,7 @@
             <a:pPr lvl="1"/>
             <a:r>
               <a:rPr lang="en-US" dirty="0"/>
-              <a:t>Observes the kinematics (position and speed) of all nearby vehicles within PERCEPTION_DISTANCE=6.0*</a:t>
+              <a:t>Observes the kinematics (position, speed, heading angle) of all nearby vehicles within PERCEPTION_DISTANCE=6.0*</a:t>
             </a:r>
             <a:r>
               <a:rPr lang="en-US" dirty="0" err="1"/>

--- a/PPTs/Lab3 Highway Env.pptx
+++ b/PPTs/Lab3 Highway Env.pptx
@@ -7561,8 +7561,8 @@
           </a:p>
         </p:txBody>
       </p:sp>
-      <mc:AlternateContent xmlns:mc="http://schemas.openxmlformats.org/markup-compatibility/2006">
-        <mc:Choice xmlns:a14="http://schemas.microsoft.com/office/drawing/2010/main" Requires="a14">
+      <mc:AlternateContent xmlns:mc="http://schemas.openxmlformats.org/markup-compatibility/2006" xmlns:a14="http://schemas.microsoft.com/office/drawing/2010/main">
+        <mc:Choice Requires="a14">
           <p:sp>
             <p:nvSpPr>
               <p:cNvPr id="3" name="Content Placeholder 2">
@@ -8470,7 +8470,7 @@
             </p:txBody>
           </p:sp>
         </mc:Choice>
-        <mc:Fallback>
+        <mc:Fallback xmlns="">
           <p:sp>
             <p:nvSpPr>
               <p:cNvPr id="3" name="Content Placeholder 2">
@@ -10115,7 +10115,12 @@
             <p:ph type="title"/>
           </p:nvPr>
         </p:nvSpPr>
-        <p:spPr/>
+        <p:spPr>
+          <a:xfrm>
+            <a:off x="304800" y="274638"/>
+            <a:ext cx="8610600" cy="868362"/>
+          </a:xfrm>
+        </p:spPr>
         <p:txBody>
           <a:bodyPr/>
           <a:lstStyle/>
@@ -10128,12 +10133,16 @@
               <a:rPr lang="en-US" dirty="0" err="1"/>
               <a:t>get_distribution</a:t>
             </a:r>
+            <a:r>
+              <a:rPr lang="en-US" dirty="0"/>
+              <a:t>()</a:t>
+            </a:r>
             <a:endParaRPr lang="en-SE" dirty="0"/>
           </a:p>
         </p:txBody>
       </p:sp>
-      <mc:AlternateContent xmlns:mc="http://schemas.openxmlformats.org/markup-compatibility/2006" xmlns:a14="http://schemas.microsoft.com/office/drawing/2010/main">
-        <mc:Choice Requires="a14">
+      <mc:AlternateContent xmlns:mc="http://schemas.openxmlformats.org/markup-compatibility/2006">
+        <mc:Choice xmlns:a14="http://schemas.microsoft.com/office/drawing/2010/main" Requires="a14">
           <p:sp>
             <p:nvSpPr>
               <p:cNvPr id="3" name="Content Placeholder 2">
@@ -10173,7 +10182,7 @@
               <a:p>
                 <a:r>
                   <a:rPr lang="en-US" dirty="0"/>
-                  <a:t>For ech action: </a:t>
+                  <a:t>For each action: </a:t>
                 </a:r>
                 <a14:m>
                   <m:oMath xmlns:m="http://schemas.openxmlformats.org/officeDocument/2006/math">
@@ -10284,7 +10293,7 @@
             </p:txBody>
           </p:sp>
         </mc:Choice>
-        <mc:Fallback xmlns="">
+        <mc:Fallback>
           <p:sp>
             <p:nvSpPr>
               <p:cNvPr id="3" name="Content Placeholder 2">
@@ -10442,14 +10451,14 @@
           <a:p>
             <a:r>
               <a:rPr lang="en-US" dirty="0"/>
-              <a:t>epsilon_greedy.py</a:t>
+              <a:t>epsilon_greedy.py update()</a:t>
             </a:r>
             <a:endParaRPr lang="en-SE" dirty="0"/>
           </a:p>
         </p:txBody>
       </p:sp>
-      <mc:AlternateContent xmlns:mc="http://schemas.openxmlformats.org/markup-compatibility/2006" xmlns:a14="http://schemas.microsoft.com/office/drawing/2010/main">
-        <mc:Choice Requires="a14">
+      <mc:AlternateContent xmlns:mc="http://schemas.openxmlformats.org/markup-compatibility/2006">
+        <mc:Choice xmlns:a14="http://schemas.microsoft.com/office/drawing/2010/main" Requires="a14">
           <p:sp>
             <p:nvSpPr>
               <p:cNvPr id="3" name="Content Placeholder 2">
@@ -10744,7 +10753,21 @@
                 </a14:m>
                 <a:r>
                   <a:rPr lang="en-US" dirty="0"/>
-                  <a:t> determines the speed of change from </a:t>
+                  <a:t> determines the speed of change of </a:t>
+                </a:r>
+                <a14:m>
+                  <m:oMath xmlns:m="http://schemas.openxmlformats.org/officeDocument/2006/math">
+                    <m:r>
+                      <a:rPr lang="en-US" i="1">
+                        <a:latin typeface="Cambria Math" panose="02040503050406030204" pitchFamily="18" charset="0"/>
+                      </a:rPr>
+                      <m:t>𝜖</m:t>
+                    </m:r>
+                  </m:oMath>
+                </a14:m>
+                <a:r>
+                  <a:rPr lang="en-US" dirty="0"/>
+                  <a:t> from </a:t>
                 </a:r>
                 <a14:m>
                   <m:oMath xmlns:m="http://schemas.openxmlformats.org/officeDocument/2006/math">
@@ -10778,7 +10801,7 @@
             </p:txBody>
           </p:sp>
         </mc:Choice>
-        <mc:Fallback xmlns="">
+        <mc:Fallback>
           <p:sp>
             <p:nvSpPr>
               <p:cNvPr id="3" name="Content Placeholder 2">
@@ -10803,7 +10826,7 @@
               <a:blipFill>
                 <a:blip r:embed="rId3"/>
                 <a:stretch>
-                  <a:fillRect l="-815"/>
+                  <a:fillRect l="-815" r="-74"/>
                 </a:stretch>
               </a:blipFill>
             </p:spPr>

--- a/PPTs/Lab3 Highway Env.pptx
+++ b/PPTs/Lab3 Highway Env.pptx
@@ -6316,6 +6316,53 @@
           </a:p>
         </p:txBody>
       </p:sp>
+      <p:pic>
+        <p:nvPicPr>
+          <p:cNvPr id="8" name="Picture 2">
+            <a:extLst>
+              <a:ext uri="{FF2B5EF4-FFF2-40B4-BE49-F238E27FC236}">
+                <a16:creationId xmlns:a16="http://schemas.microsoft.com/office/drawing/2014/main" id="{1C66DCD1-4DE3-4961-8377-20043FFD1F11}"/>
+              </a:ext>
+            </a:extLst>
+          </p:cNvPr>
+          <p:cNvPicPr>
+            <a:picLocks noChangeAspect="1" noChangeArrowheads="1" noCrop="1"/>
+          </p:cNvPicPr>
+          <p:nvPr/>
+        </p:nvPicPr>
+        <p:blipFill>
+          <a:blip r:embed="rId3">
+            <a:extLst>
+              <a:ext uri="{28A0092B-C50C-407E-A947-70E740481C1C}">
+                <a14:useLocalDpi xmlns:a14="http://schemas.microsoft.com/office/drawing/2010/main" val="0"/>
+              </a:ext>
+            </a:extLst>
+          </a:blip>
+          <a:srcRect/>
+          <a:stretch>
+            <a:fillRect/>
+          </a:stretch>
+        </p:blipFill>
+        <p:spPr bwMode="auto">
+          <a:xfrm>
+            <a:off x="304800" y="4449762"/>
+            <a:ext cx="8534400" cy="2133600"/>
+          </a:xfrm>
+          <a:prstGeom prst="rect">
+            <a:avLst/>
+          </a:prstGeom>
+          <a:noFill/>
+          <a:extLst>
+            <a:ext uri="{909E8E84-426E-40DD-AFC4-6F175D3DCCD1}">
+              <a14:hiddenFill xmlns:a14="http://schemas.microsoft.com/office/drawing/2010/main">
+                <a:solidFill>
+                  <a:srgbClr val="FFFFFF"/>
+                </a:solidFill>
+              </a14:hiddenFill>
+            </a:ext>
+          </a:extLst>
+        </p:spPr>
+      </p:pic>
     </p:spTree>
     <p:extLst>
       <p:ext uri="{BB962C8B-B14F-4D97-AF65-F5344CB8AC3E}">
@@ -9782,12 +9829,12 @@
         <p:spPr>
           <a:xfrm>
             <a:off x="457200" y="1295400"/>
-            <a:ext cx="8229600" cy="3260725"/>
+            <a:ext cx="8229600" cy="5029200"/>
           </a:xfrm>
         </p:spPr>
         <p:txBody>
           <a:bodyPr>
-            <a:normAutofit lnSpcReduction="10000"/>
+            <a:normAutofit/>
           </a:bodyPr>
           <a:lstStyle/>
           <a:p>
@@ -9869,53 +9916,6 @@
           </a:p>
         </p:txBody>
       </p:sp>
-      <p:pic>
-        <p:nvPicPr>
-          <p:cNvPr id="1026" name="Picture 2">
-            <a:extLst>
-              <a:ext uri="{FF2B5EF4-FFF2-40B4-BE49-F238E27FC236}">
-                <a16:creationId xmlns:a16="http://schemas.microsoft.com/office/drawing/2014/main" id="{73B7C583-C6AC-4A38-9AEB-AD61DF9F8567}"/>
-              </a:ext>
-            </a:extLst>
-          </p:cNvPr>
-          <p:cNvPicPr>
-            <a:picLocks noChangeAspect="1" noChangeArrowheads="1" noCrop="1"/>
-          </p:cNvPicPr>
-          <p:nvPr/>
-        </p:nvPicPr>
-        <p:blipFill>
-          <a:blip r:embed="rId4">
-            <a:extLst>
-              <a:ext uri="{28A0092B-C50C-407E-A947-70E740481C1C}">
-                <a14:useLocalDpi xmlns:a14="http://schemas.microsoft.com/office/drawing/2010/main" val="0"/>
-              </a:ext>
-            </a:extLst>
-          </a:blip>
-          <a:srcRect/>
-          <a:stretch>
-            <a:fillRect/>
-          </a:stretch>
-        </p:blipFill>
-        <p:spPr bwMode="auto">
-          <a:xfrm>
-            <a:off x="304800" y="4449762"/>
-            <a:ext cx="8534400" cy="2133600"/>
-          </a:xfrm>
-          <a:prstGeom prst="rect">
-            <a:avLst/>
-          </a:prstGeom>
-          <a:noFill/>
-          <a:extLst>
-            <a:ext uri="{909E8E84-426E-40DD-AFC4-6F175D3DCCD1}">
-              <a14:hiddenFill xmlns:a14="http://schemas.microsoft.com/office/drawing/2010/main">
-                <a:solidFill>
-                  <a:srgbClr val="FFFFFF"/>
-                </a:solidFill>
-              </a14:hiddenFill>
-            </a:ext>
-          </a:extLst>
-        </p:spPr>
-      </p:pic>
     </p:spTree>
     <p:extLst>
       <p:ext uri="{BB962C8B-B14F-4D97-AF65-F5344CB8AC3E}">
@@ -10141,8 +10141,8 @@
           </a:p>
         </p:txBody>
       </p:sp>
-      <mc:AlternateContent xmlns:mc="http://schemas.openxmlformats.org/markup-compatibility/2006">
-        <mc:Choice xmlns:a14="http://schemas.microsoft.com/office/drawing/2010/main" Requires="a14">
+      <mc:AlternateContent xmlns:mc="http://schemas.openxmlformats.org/markup-compatibility/2006" xmlns:a14="http://schemas.microsoft.com/office/drawing/2010/main">
+        <mc:Choice Requires="a14">
           <p:sp>
             <p:nvSpPr>
               <p:cNvPr id="3" name="Content Placeholder 2">
@@ -10293,7 +10293,7 @@
             </p:txBody>
           </p:sp>
         </mc:Choice>
-        <mc:Fallback>
+        <mc:Fallback xmlns="">
           <p:sp>
             <p:nvSpPr>
               <p:cNvPr id="3" name="Content Placeholder 2">
@@ -10457,8 +10457,8 @@
           </a:p>
         </p:txBody>
       </p:sp>
-      <mc:AlternateContent xmlns:mc="http://schemas.openxmlformats.org/markup-compatibility/2006">
-        <mc:Choice xmlns:a14="http://schemas.microsoft.com/office/drawing/2010/main" Requires="a14">
+      <mc:AlternateContent xmlns:mc="http://schemas.openxmlformats.org/markup-compatibility/2006" xmlns:a14="http://schemas.microsoft.com/office/drawing/2010/main">
+        <mc:Choice Requires="a14">
           <p:sp>
             <p:nvSpPr>
               <p:cNvPr id="3" name="Content Placeholder 2">
@@ -10801,7 +10801,7 @@
             </p:txBody>
           </p:sp>
         </mc:Choice>
-        <mc:Fallback>
+        <mc:Fallback xmlns="">
           <p:sp>
             <p:nvSpPr>
               <p:cNvPr id="3" name="Content Placeholder 2">
